--- a/BeyondRightClickDeploy/BeyondRightClickDeploy.pptx
+++ b/BeyondRightClickDeploy/BeyondRightClickDeploy.pptx
@@ -5,14 +5,15 @@
     <p:sldMasterId id="2147483700" r:id="rId1"/>
   </p:sldMasterIdLst>
   <p:notesMasterIdLst>
-    <p:notesMasterId r:id="rId7"/>
+    <p:notesMasterId r:id="rId8"/>
   </p:notesMasterIdLst>
   <p:sldIdLst>
     <p:sldId id="274" r:id="rId2"/>
     <p:sldId id="276" r:id="rId3"/>
     <p:sldId id="282" r:id="rId4"/>
     <p:sldId id="283" r:id="rId5"/>
-    <p:sldId id="275" r:id="rId6"/>
+    <p:sldId id="284" r:id="rId6"/>
+    <p:sldId id="275" r:id="rId7"/>
   </p:sldIdLst>
   <p:sldSz cx="12192000" cy="6858000"/>
   <p:notesSz cx="6858000" cy="9144000"/>
@@ -144,10 +145,6 @@
 </p:presentation>
 </file>
 
-<file path=ppt/revisionInfo.xml><?xml version="1.0" encoding="utf-8"?>
-<p1510:revInfo xmlns:a="http://schemas.openxmlformats.org/drawingml/2006/main" xmlns:r="http://schemas.openxmlformats.org/officeDocument/2006/relationships" xmlns:p1510="http://schemas.microsoft.com/office/powerpoint/2015/10/main"/>
-</file>
-
 <file path=ppt/notesMasters/notesMaster1.xml><?xml version="1.0" encoding="utf-8"?>
 <p:notesMaster xmlns:a="http://schemas.openxmlformats.org/drawingml/2006/main" xmlns:r="http://schemas.openxmlformats.org/officeDocument/2006/relationships" xmlns:p="http://schemas.openxmlformats.org/presentationml/2006/main">
   <p:cSld>
@@ -230,7 +227,7 @@
           <a:p>
             <a:fld id="{D4DDA21E-28F9-429C-875C-CFE3ACB8D770}" type="datetimeFigureOut">
               <a:rPr lang="en-US" smtClean="0"/>
-              <a:t>8/2/2017</a:t>
+              <a:t>7/11/2019</a:t>
             </a:fld>
             <a:endParaRPr lang="en-US"/>
           </a:p>
@@ -656,7 +653,7 @@
           <a:p>
             <a:fld id="{DC42B9C4-3265-4C64-80EB-D0107FD08979}" type="slidenum">
               <a:rPr lang="en-US" smtClean="0"/>
-              <a:t>5</a:t>
+              <a:t>6</a:t>
             </a:fld>
             <a:endParaRPr lang="en-US"/>
           </a:p>
@@ -806,7 +803,7 @@
           <a:p>
             <a:fld id="{EB044DB1-568E-4964-A02F-CCDCEAA70EF3}" type="datetimeFigureOut">
               <a:rPr lang="en-US" smtClean="0"/>
-              <a:t>8/2/2017</a:t>
+              <a:t>7/11/2019</a:t>
             </a:fld>
             <a:endParaRPr lang="en-US"/>
           </a:p>
@@ -1024,7 +1021,7 @@
           <a:p>
             <a:fld id="{EB044DB1-568E-4964-A02F-CCDCEAA70EF3}" type="datetimeFigureOut">
               <a:rPr lang="en-US" smtClean="0"/>
-              <a:t>8/2/2017</a:t>
+              <a:t>7/11/2019</a:t>
             </a:fld>
             <a:endParaRPr lang="en-US"/>
           </a:p>
@@ -1199,7 +1196,7 @@
           <a:p>
             <a:fld id="{EB044DB1-568E-4964-A02F-CCDCEAA70EF3}" type="datetimeFigureOut">
               <a:rPr lang="en-US" smtClean="0"/>
-              <a:t>8/2/2017</a:t>
+              <a:t>7/11/2019</a:t>
             </a:fld>
             <a:endParaRPr lang="en-US"/>
           </a:p>
@@ -1602,7 +1599,7 @@
           <a:p>
             <a:fld id="{EB044DB1-568E-4964-A02F-CCDCEAA70EF3}" type="datetimeFigureOut">
               <a:rPr lang="en-US" smtClean="0"/>
-              <a:t>8/2/2017</a:t>
+              <a:t>7/11/2019</a:t>
             </a:fld>
             <a:endParaRPr lang="en-US"/>
           </a:p>
@@ -1843,7 +1840,7 @@
           <a:p>
             <a:fld id="{EB044DB1-568E-4964-A02F-CCDCEAA70EF3}" type="datetimeFigureOut">
               <a:rPr lang="en-US" smtClean="0"/>
-              <a:t>8/2/2017</a:t>
+              <a:t>7/11/2019</a:t>
             </a:fld>
             <a:endParaRPr lang="en-US"/>
           </a:p>
@@ -2070,7 +2067,7 @@
           <a:p>
             <a:fld id="{EB044DB1-568E-4964-A02F-CCDCEAA70EF3}" type="datetimeFigureOut">
               <a:rPr lang="en-US" smtClean="0"/>
-              <a:t>8/2/2017</a:t>
+              <a:t>7/11/2019</a:t>
             </a:fld>
             <a:endParaRPr lang="en-US"/>
           </a:p>
@@ -2432,7 +2429,7 @@
           <a:p>
             <a:fld id="{EB044DB1-568E-4964-A02F-CCDCEAA70EF3}" type="datetimeFigureOut">
               <a:rPr lang="en-US" smtClean="0"/>
-              <a:t>8/2/2017</a:t>
+              <a:t>7/11/2019</a:t>
             </a:fld>
             <a:endParaRPr lang="en-US"/>
           </a:p>
@@ -2545,7 +2542,7 @@
           <a:p>
             <a:fld id="{EB044DB1-568E-4964-A02F-CCDCEAA70EF3}" type="datetimeFigureOut">
               <a:rPr lang="en-US" smtClean="0"/>
-              <a:t>8/2/2017</a:t>
+              <a:t>7/11/2019</a:t>
             </a:fld>
             <a:endParaRPr lang="en-US"/>
           </a:p>
@@ -2635,7 +2632,7 @@
           <a:p>
             <a:fld id="{EB044DB1-568E-4964-A02F-CCDCEAA70EF3}" type="datetimeFigureOut">
               <a:rPr lang="en-US" smtClean="0"/>
-              <a:t>8/2/2017</a:t>
+              <a:t>7/11/2019</a:t>
             </a:fld>
             <a:endParaRPr lang="en-US"/>
           </a:p>
@@ -2907,7 +2904,7 @@
           <a:p>
             <a:fld id="{EB044DB1-568E-4964-A02F-CCDCEAA70EF3}" type="datetimeFigureOut">
               <a:rPr lang="en-US" smtClean="0"/>
-              <a:t>8/2/2017</a:t>
+              <a:t>7/11/2019</a:t>
             </a:fld>
             <a:endParaRPr lang="en-US"/>
           </a:p>
@@ -3159,7 +3156,7 @@
           <a:p>
             <a:fld id="{EB044DB1-568E-4964-A02F-CCDCEAA70EF3}" type="datetimeFigureOut">
               <a:rPr lang="en-US" smtClean="0"/>
-              <a:t>8/2/2017</a:t>
+              <a:t>7/11/2019</a:t>
             </a:fld>
             <a:endParaRPr lang="en-US"/>
           </a:p>
@@ -3366,7 +3363,7 @@
           <a:p>
             <a:fld id="{EB044DB1-568E-4964-A02F-CCDCEAA70EF3}" type="datetimeFigureOut">
               <a:rPr lang="en-US" smtClean="0"/>
-              <a:t>8/2/2017</a:t>
+              <a:t>7/11/2019</a:t>
             </a:fld>
             <a:endParaRPr lang="en-US"/>
           </a:p>
@@ -5284,6 +5281,89 @@
       </p:grpSpPr>
       <p:sp>
         <p:nvSpPr>
+          <p:cNvPr id="2" name="Title 1">
+            <a:extLst>
+              <a:ext uri="{FF2B5EF4-FFF2-40B4-BE49-F238E27FC236}">
+                <a16:creationId xmlns:a16="http://schemas.microsoft.com/office/drawing/2014/main" id="{F8979C47-4A15-4F3B-A3C9-CEFE8085E22F}"/>
+              </a:ext>
+            </a:extLst>
+          </p:cNvPr>
+          <p:cNvSpPr>
+            <a:spLocks noGrp="1"/>
+          </p:cNvSpPr>
+          <p:nvPr>
+            <p:ph type="title"/>
+          </p:nvPr>
+        </p:nvSpPr>
+        <p:spPr/>
+        <p:txBody>
+          <a:bodyPr/>
+          <a:lstStyle/>
+          <a:p>
+            <a:r>
+              <a:rPr lang="en-US" dirty="0"/>
+              <a:t>This is the CTA slide</a:t>
+            </a:r>
+          </a:p>
+        </p:txBody>
+      </p:sp>
+      <p:sp>
+        <p:nvSpPr>
+          <p:cNvPr id="3" name="Text Placeholder 2">
+            <a:extLst>
+              <a:ext uri="{FF2B5EF4-FFF2-40B4-BE49-F238E27FC236}">
+                <a16:creationId xmlns:a16="http://schemas.microsoft.com/office/drawing/2014/main" id="{9F460247-A89B-430C-8D20-7AC98E65C4F8}"/>
+              </a:ext>
+            </a:extLst>
+          </p:cNvPr>
+          <p:cNvSpPr>
+            <a:spLocks noGrp="1"/>
+          </p:cNvSpPr>
+          <p:nvPr>
+            <p:ph type="body" idx="1"/>
+          </p:nvPr>
+        </p:nvSpPr>
+        <p:spPr/>
+        <p:txBody>
+          <a:bodyPr/>
+          <a:lstStyle/>
+          <a:p>
+            <a:endParaRPr lang="en-US"/>
+          </a:p>
+        </p:txBody>
+      </p:sp>
+    </p:spTree>
+    <p:extLst>
+      <p:ext uri="{BB962C8B-B14F-4D97-AF65-F5344CB8AC3E}">
+        <p14:creationId xmlns:p14="http://schemas.microsoft.com/office/powerpoint/2010/main" val="534330062"/>
+      </p:ext>
+    </p:extLst>
+  </p:cSld>
+  <p:clrMapOvr>
+    <a:masterClrMapping/>
+  </p:clrMapOvr>
+</p:sld>
+</file>
+
+<file path=ppt/slides/slide6.xml><?xml version="1.0" encoding="utf-8"?>
+<p:sld xmlns:a="http://schemas.openxmlformats.org/drawingml/2006/main" xmlns:r="http://schemas.openxmlformats.org/officeDocument/2006/relationships" xmlns:p="http://schemas.openxmlformats.org/presentationml/2006/main">
+  <p:cSld>
+    <p:spTree>
+      <p:nvGrpSpPr>
+        <p:cNvPr id="1" name=""/>
+        <p:cNvGrpSpPr/>
+        <p:nvPr/>
+      </p:nvGrpSpPr>
+      <p:grpSpPr>
+        <a:xfrm>
+          <a:off x="0" y="0"/>
+          <a:ext cx="0" cy="0"/>
+          <a:chOff x="0" y="0"/>
+          <a:chExt cx="0" cy="0"/>
+        </a:xfrm>
+      </p:grpSpPr>
+      <p:sp>
+        <p:nvSpPr>
           <p:cNvPr id="2" name="Title 1"/>
           <p:cNvSpPr>
             <a:spLocks noGrp="1"/>
@@ -5334,269 +5414,35 @@
         </p:nvSpPr>
         <p:spPr>
           <a:xfrm>
-            <a:off x="2676052" y="2693397"/>
+            <a:off x="3101293" y="2681830"/>
             <a:ext cx="6858000" cy="1655763"/>
           </a:xfrm>
         </p:spPr>
         <p:txBody>
           <a:bodyPr>
-            <a:normAutofit lnSpcReduction="10000"/>
+            <a:normAutofit/>
           </a:bodyPr>
           <a:lstStyle/>
           <a:p>
             <a:r>
               <a:rPr lang="en-US" dirty="0"/>
-              <a:t>Jimmy </a:t>
-            </a:r>
-            <a:r>
-              <a:rPr lang="en-US" dirty="0" err="1"/>
-              <a:t>Bogard</a:t>
-            </a:r>
-            <a:endParaRPr lang="en-US" dirty="0"/>
+              <a:t>@jbogard</a:t>
+            </a:r>
           </a:p>
           <a:p>
             <a:r>
               <a:rPr lang="en-US" dirty="0"/>
-              <a:t>@</a:t>
-            </a:r>
-            <a:r>
-              <a:rPr lang="en-US" dirty="0" err="1"/>
-              <a:t>jbogard</a:t>
-            </a:r>
-            <a:endParaRPr lang="en-US" dirty="0"/>
+              <a:t>jimmybogard.com</a:t>
+            </a:r>
           </a:p>
           <a:p>
             <a:r>
               <a:rPr lang="en-US" dirty="0"/>
-              <a:t>github.com/</a:t>
-            </a:r>
-            <a:r>
-              <a:rPr lang="en-US" dirty="0" err="1"/>
-              <a:t>jbogard</a:t>
-            </a:r>
-            <a:endParaRPr lang="en-US" dirty="0"/>
-          </a:p>
-          <a:p>
-            <a:r>
-              <a:rPr lang="en-US" dirty="0" err="1"/>
-              <a:t>jimmybogard.com</a:t>
-            </a:r>
-            <a:endParaRPr lang="en-US" dirty="0"/>
-          </a:p>
-        </p:txBody>
-      </p:sp>
-      <p:pic>
-        <p:nvPicPr>
-          <p:cNvPr id="9" name="Picture 4" descr="https://mvp.support.microsoft.com/library/images/support/en-US/MVPLogo.gif"/>
-          <p:cNvPicPr>
-            <a:picLocks noChangeAspect="1" noChangeArrowheads="1"/>
-          </p:cNvPicPr>
-          <p:nvPr/>
-        </p:nvPicPr>
-        <p:blipFill>
-          <a:blip r:embed="rId6">
-            <a:extLst>
-              <a:ext uri="{28A0092B-C50C-407E-A947-70E740481C1C}">
-                <a14:useLocalDpi xmlns:a14="http://schemas.microsoft.com/office/drawing/2010/main" val="0"/>
-              </a:ext>
-            </a:extLst>
-          </a:blip>
-          <a:srcRect/>
-          <a:stretch>
-            <a:fillRect/>
-          </a:stretch>
-        </p:blipFill>
-        <p:spPr bwMode="auto">
-          <a:xfrm>
-            <a:off x="1411730" y="4632329"/>
-            <a:ext cx="1095375" cy="1714500"/>
-          </a:xfrm>
-          <a:prstGeom prst="rect">
-            <a:avLst/>
-          </a:prstGeom>
-          <a:noFill/>
-          <a:extLst>
-            <a:ext uri="{909E8E84-426E-40DD-AFC4-6F175D3DCCD1}">
-              <a14:hiddenFill xmlns:a14="http://schemas.microsoft.com/office/drawing/2010/main">
-                <a:solidFill>
-                  <a:srgbClr val="FFFFFF"/>
-                </a:solidFill>
-              </a14:hiddenFill>
-            </a:ext>
-          </a:extLst>
-        </p:spPr>
-      </p:pic>
-      <p:pic>
-        <p:nvPicPr>
-          <p:cNvPr id="11" name="Picture 8" descr="http://lostechies.com/wp-content/themes/lostechies/images/lostechies_logo.png"/>
-          <p:cNvPicPr>
-            <a:picLocks noChangeAspect="1" noChangeArrowheads="1"/>
-          </p:cNvPicPr>
-          <p:nvPr/>
-        </p:nvPicPr>
-        <p:blipFill>
-          <a:blip r:embed="rId7">
-            <a:extLst>
-              <a:ext uri="{28A0092B-C50C-407E-A947-70E740481C1C}">
-                <a14:useLocalDpi xmlns:a14="http://schemas.microsoft.com/office/drawing/2010/main" val="0"/>
-              </a:ext>
-            </a:extLst>
-          </a:blip>
-          <a:srcRect/>
-          <a:stretch>
-            <a:fillRect/>
-          </a:stretch>
-        </p:blipFill>
-        <p:spPr bwMode="auto">
-          <a:xfrm>
-            <a:off x="2106433" y="5489579"/>
-            <a:ext cx="6047539" cy="733425"/>
-          </a:xfrm>
-          <a:prstGeom prst="rect">
-            <a:avLst/>
-          </a:prstGeom>
-          <a:noFill/>
-          <a:extLst>
-            <a:ext uri="{909E8E84-426E-40DD-AFC4-6F175D3DCCD1}">
-              <a14:hiddenFill xmlns:a14="http://schemas.microsoft.com/office/drawing/2010/main">
-                <a:solidFill>
-                  <a:srgbClr val="FFFFFF"/>
-                </a:solidFill>
-              </a14:hiddenFill>
-            </a:ext>
-          </a:extLst>
-        </p:spPr>
-      </p:pic>
-      <p:pic>
-        <p:nvPicPr>
-          <p:cNvPr id="12" name="Picture 12" descr="AutoMapper"/>
-          <p:cNvPicPr>
-            <a:picLocks noChangeAspect="1" noChangeArrowheads="1"/>
-          </p:cNvPicPr>
-          <p:nvPr/>
-        </p:nvPicPr>
-        <p:blipFill>
-          <a:blip r:embed="rId8">
-            <a:extLst>
-              <a:ext uri="{28A0092B-C50C-407E-A947-70E740481C1C}">
-                <a14:useLocalDpi xmlns:a14="http://schemas.microsoft.com/office/drawing/2010/main" val="0"/>
-              </a:ext>
-            </a:extLst>
-          </a:blip>
-          <a:srcRect/>
-          <a:stretch>
-            <a:fillRect/>
-          </a:stretch>
-        </p:blipFill>
-        <p:spPr bwMode="auto">
-          <a:xfrm>
-            <a:off x="7410973" y="4783848"/>
-            <a:ext cx="3733800" cy="382377"/>
-          </a:xfrm>
-          <a:prstGeom prst="rect">
-            <a:avLst/>
-          </a:prstGeom>
-          <a:noFill/>
-          <a:extLst>
-            <a:ext uri="{909E8E84-426E-40DD-AFC4-6F175D3DCCD1}">
-              <a14:hiddenFill xmlns:a14="http://schemas.microsoft.com/office/drawing/2010/main">
-                <a:solidFill>
-                  <a:srgbClr val="FFFFFF"/>
-                </a:solidFill>
-              </a14:hiddenFill>
-            </a:ext>
-          </a:extLst>
-        </p:spPr>
-      </p:pic>
-      <p:pic>
-        <p:nvPicPr>
-          <p:cNvPr id="10" name="Picture 2" descr="http://storage.pardot.com/52582/22896/headspring_weblogo.png"/>
-          <p:cNvPicPr>
-            <a:picLocks noChangeAspect="1" noChangeArrowheads="1"/>
-          </p:cNvPicPr>
-          <p:nvPr/>
-        </p:nvPicPr>
-        <p:blipFill>
-          <a:blip r:embed="rId9">
-            <a:extLst>
-              <a:ext uri="{28A0092B-C50C-407E-A947-70E740481C1C}">
-                <a14:useLocalDpi xmlns:a14="http://schemas.microsoft.com/office/drawing/2010/main" val="0"/>
-              </a:ext>
-            </a:extLst>
-          </a:blip>
-          <a:srcRect/>
-          <a:stretch>
-            <a:fillRect/>
-          </a:stretch>
-        </p:blipFill>
-        <p:spPr bwMode="auto">
-          <a:xfrm>
-            <a:off x="3310440" y="4685622"/>
-            <a:ext cx="3183567" cy="578830"/>
-          </a:xfrm>
-          <a:prstGeom prst="rect">
-            <a:avLst/>
-          </a:prstGeom>
-          <a:noFill/>
-          <a:extLst>
-            <a:ext uri="{909E8E84-426E-40DD-AFC4-6F175D3DCCD1}">
-              <a14:hiddenFill xmlns:a14="http://schemas.microsoft.com/office/drawing/2010/main">
-                <a:solidFill>
-                  <a:srgbClr val="FFFFFF"/>
-                </a:solidFill>
-              </a14:hiddenFill>
-            </a:ext>
-          </a:extLst>
-        </p:spPr>
-      </p:pic>
-      <p:pic>
-        <p:nvPicPr>
-          <p:cNvPr id="4" name="Picture 3"/>
-          <p:cNvPicPr>
-            <a:picLocks noChangeAspect="1"/>
-          </p:cNvPicPr>
-          <p:nvPr/>
-        </p:nvPicPr>
-        <p:blipFill>
-          <a:blip r:embed="rId10"/>
-          <a:stretch>
-            <a:fillRect/>
-          </a:stretch>
-        </p:blipFill>
-        <p:spPr>
-          <a:xfrm>
-            <a:off x="7996760" y="5405709"/>
-            <a:ext cx="1052054" cy="1052054"/>
-          </a:xfrm>
-          <a:prstGeom prst="rect">
-            <a:avLst/>
-          </a:prstGeom>
-        </p:spPr>
-      </p:pic>
-      <p:pic>
-        <p:nvPicPr>
-          <p:cNvPr id="5" name="Picture 4"/>
-          <p:cNvPicPr>
-            <a:picLocks noChangeAspect="1"/>
-          </p:cNvPicPr>
-          <p:nvPr/>
-        </p:nvPicPr>
-        <p:blipFill>
-          <a:blip r:embed="rId11"/>
-          <a:stretch>
-            <a:fillRect/>
-          </a:stretch>
-        </p:blipFill>
-        <p:spPr>
-          <a:xfrm>
-            <a:off x="9534052" y="5489579"/>
-            <a:ext cx="916667" cy="916667"/>
-          </a:xfrm>
-          <a:prstGeom prst="rect">
-            <a:avLst/>
-          </a:prstGeom>
-        </p:spPr>
-      </p:pic>
+              <a:t>&lt;link to demo&gt;</a:t>
+            </a:r>
+          </a:p>
+        </p:txBody>
+      </p:sp>
     </p:spTree>
     <p:custDataLst>
       <p:tags r:id="rId1"/>
